--- a/FormBuilding/advanced_form_builder.pptx
+++ b/FormBuilding/advanced_form_builder.pptx
@@ -310,7 +310,7 @@
               <a:pPr>
                 <a:defRPr/>
               </a:pPr>
-              <a:t>11/26/15</a:t>
+              <a:t>11/29/15</a:t>
             </a:fld>
             <a:endParaRPr lang="en-US"/>
           </a:p>
@@ -522,7 +522,7 @@
               <a:pPr>
                 <a:defRPr/>
               </a:pPr>
-              <a:t>11/26/15</a:t>
+              <a:t>11/29/15</a:t>
             </a:fld>
             <a:endParaRPr lang="en-US"/>
           </a:p>
@@ -2621,11 +2621,7 @@
           <a:p>
             <a:r>
               <a:rPr lang="en-US" dirty="0" smtClean="0"/>
-              <a:t>What </a:t>
-            </a:r>
-            <a:r>
-              <a:rPr lang="en-US" dirty="0" smtClean="0"/>
-              <a:t>are some questions we can create?</a:t>
+              <a:t>What are some questions we can create?</a:t>
             </a:r>
             <a:endParaRPr lang="en-US" dirty="0"/>
           </a:p>
@@ -2733,27 +2729,17 @@
               <a:rPr lang="en-US" dirty="0" smtClean="0"/>
               <a:t>Text</a:t>
             </a:r>
-            <a:endParaRPr lang="en-US" dirty="0" smtClean="0"/>
           </a:p>
           <a:p>
             <a:r>
               <a:rPr lang="en-US" dirty="0" smtClean="0"/>
               <a:t>Number</a:t>
             </a:r>
-            <a:endParaRPr lang="en-US" dirty="0" smtClean="0"/>
           </a:p>
           <a:p>
             <a:r>
               <a:rPr lang="en-US" dirty="0" smtClean="0"/>
-              <a:t>…</a:t>
-            </a:r>
-            <a:r>
-              <a:rPr lang="en-US" dirty="0" smtClean="0"/>
-              <a:t>the rest of the simple </a:t>
-            </a:r>
-            <a:r>
-              <a:rPr lang="en-US" dirty="0" smtClean="0"/>
-              <a:t>ones</a:t>
+              <a:t>…the rest of the simple ones</a:t>
             </a:r>
           </a:p>
           <a:p>
@@ -2865,8 +2851,53 @@
             <a:pPr algn="ctr"/>
             <a:r>
               <a:rPr lang="en-US" dirty="0" smtClean="0"/>
-              <a:t>Let’s look at HQ</a:t>
-            </a:r>
+              <a:t>Let’s look at </a:t>
+            </a:r>
+            <a:r>
+              <a:rPr lang="en-US" dirty="0" smtClean="0"/>
+              <a:t>HQ</a:t>
+            </a:r>
+            <a:br>
+              <a:rPr lang="en-US" dirty="0" smtClean="0"/>
+            </a:br>
+            <a:r>
+              <a:rPr lang="en-US" dirty="0"/>
+              <a:t/>
+            </a:r>
+            <a:br>
+              <a:rPr lang="en-US" dirty="0"/>
+            </a:br>
+            <a:r>
+              <a:rPr lang="en-US" dirty="0"/>
+              <a:t> </a:t>
+            </a:r>
+            <a:r>
+              <a:rPr lang="en-US" sz="1400" dirty="0"/>
+              <a:t>https://</a:t>
+            </a:r>
+            <a:r>
+              <a:rPr lang="en-US" sz="1400" dirty="0" err="1"/>
+              <a:t>www.commcarehq.org</a:t>
+            </a:r>
+            <a:r>
+              <a:rPr lang="en-US" sz="1400" dirty="0"/>
+              <a:t>/a/</a:t>
+            </a:r>
+            <a:r>
+              <a:rPr lang="en-US" sz="1400" dirty="0" err="1"/>
+              <a:t>exi</a:t>
+            </a:r>
+            <a:r>
+              <a:rPr lang="en-US" sz="1400" dirty="0"/>
+              <a:t>-training/apps/view/841cb462e89c6bd0e4d0038b4a97367c/modules-0/forms-0/source/ </a:t>
+            </a:r>
+            <a:r>
+              <a:rPr lang="en-US" dirty="0" smtClean="0"/>
+              <a:t/>
+            </a:r>
+            <a:br>
+              <a:rPr lang="en-US" dirty="0" smtClean="0"/>
+            </a:br>
             <a:endParaRPr lang="en-US" dirty="0"/>
           </a:p>
         </p:txBody>
@@ -2918,11 +2949,7 @@
           <a:p>
             <a:r>
               <a:rPr lang="en-US" dirty="0" smtClean="0"/>
-              <a:t>Activity: </a:t>
-            </a:r>
-            <a:r>
-              <a:rPr lang="en-US" dirty="0" smtClean="0"/>
-              <a:t>Advanced Form Builder</a:t>
+              <a:t>Activity: Advanced Form Builder</a:t>
             </a:r>
             <a:endParaRPr lang="en-US" dirty="0"/>
           </a:p>
@@ -2945,36 +2972,25 @@
           <a:p>
             <a:r>
               <a:rPr lang="en-US" dirty="0" smtClean="0"/>
-              <a:t>A community health worker needs to </a:t>
-            </a:r>
-            <a:r>
-              <a:rPr lang="en-US" dirty="0" smtClean="0"/>
-              <a:t>record patients</a:t>
-            </a:r>
-            <a:endParaRPr lang="en-US" dirty="0" smtClean="0"/>
+              <a:t>A community health worker needs to record patients</a:t>
+            </a:r>
           </a:p>
           <a:p>
             <a:r>
               <a:rPr lang="en-US" dirty="0" smtClean="0"/>
               <a:t>Farmers need to record the crops that they grow</a:t>
             </a:r>
-            <a:endParaRPr lang="en-US" dirty="0" smtClean="0"/>
           </a:p>
           <a:p>
             <a:r>
               <a:rPr lang="en-US" dirty="0" smtClean="0"/>
               <a:t>Mailmen need to record all the houses they’ve visited</a:t>
             </a:r>
-            <a:endParaRPr lang="en-US" dirty="0" smtClean="0"/>
           </a:p>
           <a:p>
             <a:r>
               <a:rPr lang="en-US" dirty="0" smtClean="0"/>
-              <a:t>Create your own</a:t>
-            </a:r>
-            <a:r>
-              <a:rPr lang="en-US" dirty="0" smtClean="0"/>
-              <a:t>! (Use at least 3 of the bolded question types)</a:t>
+              <a:t>Create your own! (Use at least 3 of the bolded question types)</a:t>
             </a:r>
             <a:endParaRPr lang="en-US" dirty="0"/>
           </a:p>

--- a/FormBuilding/advanced_form_builder.pptx
+++ b/FormBuilding/advanced_form_builder.pptx
@@ -5,17 +5,18 @@
     <p:sldMasterId id="2147483648" r:id="rId1"/>
   </p:sldMasterIdLst>
   <p:notesMasterIdLst>
-    <p:notesMasterId r:id="rId7"/>
+    <p:notesMasterId r:id="rId8"/>
   </p:notesMasterIdLst>
   <p:handoutMasterIdLst>
-    <p:handoutMasterId r:id="rId8"/>
+    <p:handoutMasterId r:id="rId9"/>
   </p:handoutMasterIdLst>
   <p:sldIdLst>
     <p:sldId id="258" r:id="rId2"/>
     <p:sldId id="259" r:id="rId3"/>
     <p:sldId id="260" r:id="rId4"/>
-    <p:sldId id="262" r:id="rId5"/>
-    <p:sldId id="261" r:id="rId6"/>
+    <p:sldId id="263" r:id="rId5"/>
+    <p:sldId id="262" r:id="rId6"/>
+    <p:sldId id="261" r:id="rId7"/>
   </p:sldIdLst>
   <p:sldSz cx="9144000" cy="6858000" type="screen4x3"/>
   <p:notesSz cx="6858000" cy="9296400"/>
@@ -2838,66 +2839,96 @@
             <p:ph type="title"/>
           </p:nvPr>
         </p:nvSpPr>
-        <p:spPr>
-          <a:xfrm>
-            <a:off x="457200" y="3416969"/>
-            <a:ext cx="8229600" cy="457200"/>
-          </a:xfrm>
-        </p:spPr>
+        <p:spPr/>
         <p:txBody>
           <a:bodyPr/>
           <a:lstStyle/>
           <a:p>
-            <a:pPr algn="ctr"/>
             <a:r>
               <a:rPr lang="en-US" dirty="0" smtClean="0"/>
-              <a:t>Let’s look at </a:t>
-            </a:r>
+              <a:t>Calculations with form builder</a:t>
+            </a:r>
+            <a:endParaRPr lang="en-US" dirty="0"/>
+          </a:p>
+        </p:txBody>
+      </p:sp>
+      <p:sp>
+        <p:nvSpPr>
+          <p:cNvPr id="3" name="Content Placeholder 2"/>
+          <p:cNvSpPr>
+            <a:spLocks noGrp="1"/>
+          </p:cNvSpPr>
+          <p:nvPr>
+            <p:ph idx="1"/>
+          </p:nvPr>
+        </p:nvSpPr>
+        <p:spPr/>
+        <p:txBody>
+          <a:bodyPr/>
+          <a:lstStyle/>
+          <a:p>
             <a:r>
               <a:rPr lang="en-US" dirty="0" smtClean="0"/>
-              <a:t>HQ</a:t>
-            </a:r>
-            <a:br>
+              <a:t>Allows you to use variables to make decisions about questions</a:t>
+            </a:r>
+          </a:p>
+          <a:p>
+            <a:pPr lvl="1"/>
+            <a:r>
               <a:rPr lang="en-US" dirty="0" smtClean="0"/>
-            </a:br>
+              <a:t>Display a variable in a label</a:t>
+            </a:r>
+          </a:p>
+          <a:p>
+            <a:pPr lvl="1"/>
+            <a:r>
+              <a:rPr lang="en-US" dirty="0" smtClean="0"/>
+              <a:t>Calculate a Display Condition using other variables</a:t>
+            </a:r>
+          </a:p>
+          <a:p>
+            <a:pPr lvl="1"/>
+            <a:r>
+              <a:rPr lang="en-US" dirty="0" smtClean="0"/>
+              <a:t>Do more complex calculations with dates and other </a:t>
+            </a:r>
+            <a:r>
+              <a:rPr lang="en-US" dirty="0" err="1" smtClean="0"/>
+              <a:t>CommCare</a:t>
+            </a:r>
+            <a:r>
+              <a:rPr lang="en-US" dirty="0" smtClean="0"/>
+              <a:t> functions</a:t>
+            </a:r>
+          </a:p>
+          <a:p>
+            <a:r>
+              <a:rPr lang="en-US" dirty="0" err="1" smtClean="0"/>
+              <a:t>CommCare</a:t>
+            </a:r>
             <a:r>
               <a:rPr lang="en-US" dirty="0"/>
-              <a:t/>
-            </a:r>
-            <a:br>
-              <a:rPr lang="en-US" dirty="0"/>
-            </a:br>
-            <a:r>
-              <a:rPr lang="en-US" dirty="0"/>
-              <a:t> </a:t>
-            </a:r>
-            <a:r>
-              <a:rPr lang="en-US" sz="1400" dirty="0"/>
-              <a:t>https://</a:t>
-            </a:r>
-            <a:r>
-              <a:rPr lang="en-US" sz="1400" dirty="0" err="1"/>
-              <a:t>www.commcarehq.org</a:t>
-            </a:r>
-            <a:r>
-              <a:rPr lang="en-US" sz="1400" dirty="0"/>
-              <a:t>/a/</a:t>
-            </a:r>
-            <a:r>
-              <a:rPr lang="en-US" sz="1400" dirty="0" err="1"/>
-              <a:t>exi</a:t>
-            </a:r>
-            <a:r>
-              <a:rPr lang="en-US" sz="1400" dirty="0"/>
-              <a:t>-training/apps/view/841cb462e89c6bd0e4d0038b4a97367c/modules-0/forms-0/source/ </a:t>
-            </a:r>
-            <a:r>
-              <a:rPr lang="en-US" dirty="0" smtClean="0"/>
-              <a:t/>
-            </a:r>
-            <a:br>
-              <a:rPr lang="en-US" dirty="0" smtClean="0"/>
-            </a:br>
+              <a:t> Functions: </a:t>
+            </a:r>
+            <a:r>
+              <a:rPr lang="en-US" dirty="0">
+                <a:hlinkClick r:id="rId2"/>
+              </a:rPr>
+              <a:t>http://</a:t>
+            </a:r>
+            <a:r>
+              <a:rPr lang="en-US" dirty="0" smtClean="0">
+                <a:hlinkClick r:id="rId2"/>
+              </a:rPr>
+              <a:t>bit.ly/1jsE2mM</a:t>
+            </a:r>
+            <a:endParaRPr lang="en-US" dirty="0" smtClean="0"/>
+          </a:p>
+          <a:p>
+            <a:endParaRPr lang="en-US" dirty="0"/>
+          </a:p>
+          <a:p>
+            <a:pPr lvl="1"/>
             <a:endParaRPr lang="en-US" dirty="0"/>
           </a:p>
         </p:txBody>
@@ -2905,7 +2936,7 @@
     </p:spTree>
     <p:extLst>
       <p:ext uri="{BB962C8B-B14F-4D97-AF65-F5344CB8AC3E}">
-        <p14:creationId xmlns:p14="http://schemas.microsoft.com/office/powerpoint/2010/main" val="1223942617"/>
+        <p14:creationId xmlns:p14="http://schemas.microsoft.com/office/powerpoint/2010/main" val="559889326"/>
       </p:ext>
     </p:extLst>
   </p:cSld>
@@ -2942,6 +2973,110 @@
             <p:ph type="title"/>
           </p:nvPr>
         </p:nvSpPr>
+        <p:spPr>
+          <a:xfrm>
+            <a:off x="457200" y="3416969"/>
+            <a:ext cx="8229600" cy="457200"/>
+          </a:xfrm>
+        </p:spPr>
+        <p:txBody>
+          <a:bodyPr/>
+          <a:lstStyle/>
+          <a:p>
+            <a:pPr algn="ctr"/>
+            <a:r>
+              <a:rPr lang="en-US" dirty="0" smtClean="0"/>
+              <a:t>Let’s look at </a:t>
+            </a:r>
+            <a:r>
+              <a:rPr lang="en-US" dirty="0" smtClean="0"/>
+              <a:t>HQ</a:t>
+            </a:r>
+            <a:br>
+              <a:rPr lang="en-US" dirty="0" smtClean="0"/>
+            </a:br>
+            <a:r>
+              <a:rPr lang="en-US" dirty="0"/>
+              <a:t/>
+            </a:r>
+            <a:br>
+              <a:rPr lang="en-US" dirty="0"/>
+            </a:br>
+            <a:r>
+              <a:rPr lang="en-US" dirty="0"/>
+              <a:t> </a:t>
+            </a:r>
+            <a:r>
+              <a:rPr lang="en-US" sz="1400" dirty="0"/>
+              <a:t>https://</a:t>
+            </a:r>
+            <a:r>
+              <a:rPr lang="en-US" sz="1400" dirty="0" err="1"/>
+              <a:t>www.commcarehq.org</a:t>
+            </a:r>
+            <a:r>
+              <a:rPr lang="en-US" sz="1400" dirty="0"/>
+              <a:t>/a/</a:t>
+            </a:r>
+            <a:r>
+              <a:rPr lang="en-US" sz="1400" dirty="0" err="1"/>
+              <a:t>exi</a:t>
+            </a:r>
+            <a:r>
+              <a:rPr lang="en-US" sz="1400" dirty="0"/>
+              <a:t>-training/apps/view/841cb462e89c6bd0e4d0038b4a97367c/modules-0/forms-0/source/ </a:t>
+            </a:r>
+            <a:r>
+              <a:rPr lang="en-US" dirty="0" smtClean="0"/>
+              <a:t/>
+            </a:r>
+            <a:br>
+              <a:rPr lang="en-US" dirty="0" smtClean="0"/>
+            </a:br>
+            <a:endParaRPr lang="en-US" dirty="0"/>
+          </a:p>
+        </p:txBody>
+      </p:sp>
+    </p:spTree>
+    <p:extLst>
+      <p:ext uri="{BB962C8B-B14F-4D97-AF65-F5344CB8AC3E}">
+        <p14:creationId xmlns:p14="http://schemas.microsoft.com/office/powerpoint/2010/main" val="1223942617"/>
+      </p:ext>
+    </p:extLst>
+  </p:cSld>
+  <p:clrMapOvr>
+    <a:masterClrMapping/>
+  </p:clrMapOvr>
+</p:sld>
+</file>
+
+<file path=ppt/slides/slide6.xml><?xml version="1.0" encoding="utf-8"?>
+<p:sld xmlns:a="http://schemas.openxmlformats.org/drawingml/2006/main" xmlns:r="http://schemas.openxmlformats.org/officeDocument/2006/relationships" xmlns:p="http://schemas.openxmlformats.org/presentationml/2006/main">
+  <p:cSld>
+    <p:spTree>
+      <p:nvGrpSpPr>
+        <p:cNvPr id="1" name=""/>
+        <p:cNvGrpSpPr/>
+        <p:nvPr/>
+      </p:nvGrpSpPr>
+      <p:grpSpPr>
+        <a:xfrm>
+          <a:off x="0" y="0"/>
+          <a:ext cx="0" cy="0"/>
+          <a:chOff x="0" y="0"/>
+          <a:chExt cx="0" cy="0"/>
+        </a:xfrm>
+      </p:grpSpPr>
+      <p:sp>
+        <p:nvSpPr>
+          <p:cNvPr id="2" name="Title 1"/>
+          <p:cNvSpPr>
+            <a:spLocks noGrp="1"/>
+          </p:cNvSpPr>
+          <p:nvPr>
+            <p:ph type="title"/>
+          </p:nvPr>
+        </p:nvSpPr>
         <p:spPr/>
         <p:txBody>
           <a:bodyPr/>
@@ -2990,7 +3125,50 @@
           <a:p>
             <a:r>
               <a:rPr lang="en-US" dirty="0" smtClean="0"/>
-              <a:t>Create your own! (Use at least 3 of the bolded question types)</a:t>
+              <a:t>Create your own! (Use at least 3 of the bolded question </a:t>
+            </a:r>
+            <a:r>
+              <a:rPr lang="en-US" dirty="0" smtClean="0"/>
+              <a:t>types and test them out on a phone!)</a:t>
+            </a:r>
+          </a:p>
+          <a:p>
+            <a:endParaRPr lang="en-US" dirty="0"/>
+          </a:p>
+          <a:p>
+            <a:r>
+              <a:rPr lang="en-US" dirty="0" smtClean="0"/>
+              <a:t>Use a </a:t>
+            </a:r>
+            <a:r>
+              <a:rPr lang="en-US" dirty="0" err="1" smtClean="0"/>
+              <a:t>CommCare</a:t>
+            </a:r>
+            <a:r>
+              <a:rPr lang="en-US" dirty="0" smtClean="0"/>
+              <a:t> function to manipulate data and output it to a label (</a:t>
+            </a:r>
+            <a:r>
+              <a:rPr lang="en-US" dirty="0">
+                <a:hlinkClick r:id="rId2"/>
+              </a:rPr>
+              <a:t>http://</a:t>
+            </a:r>
+            <a:r>
+              <a:rPr lang="en-US" dirty="0" smtClean="0">
+                <a:hlinkClick r:id="rId2"/>
+              </a:rPr>
+              <a:t>bit.ly</a:t>
+            </a:r>
+            <a:r>
+              <a:rPr lang="en-US" smtClean="0">
+                <a:hlinkClick r:id="rId2"/>
+              </a:rPr>
+              <a:t>/1jsE2mM</a:t>
+            </a:r>
+            <a:r>
+              <a:rPr lang="en-US" smtClean="0"/>
+              <a:t>)</a:t>
             </a:r>
             <a:endParaRPr lang="en-US" dirty="0"/>
           </a:p>
